--- a/starbucks/Documents/Project_Structure.pptx
+++ b/starbucks/Documents/Project_Structure.pptx
@@ -3439,7 +3439,7 @@
           <a:p>
             <a:pPr algn="ctr"/>
             <a:r>
-              <a:rPr lang="en-US" altLang="ko-KR" sz="900" b="1" dirty="0">
+              <a:rPr lang="en-US" altLang="ko-KR" sz="900" dirty="0">
                 <a:solidFill>
                   <a:schemeClr val="tx1"/>
                 </a:solidFill>
@@ -3595,6 +3595,862 @@
         <p:spPr>
           <a:xfrm rot="10800000" flipH="1" flipV="1">
             <a:off x="536222" y="932917"/>
+            <a:ext cx="265288" cy="567265"/>
+          </a:xfrm>
+          <a:prstGeom prst="bentConnector3">
+            <a:avLst>
+              <a:gd name="adj1" fmla="val -1065"/>
+            </a:avLst>
+          </a:prstGeom>
+          <a:ln>
+            <a:solidFill>
+              <a:schemeClr val="tx1"/>
+            </a:solidFill>
+          </a:ln>
+        </p:spPr>
+        <p:style>
+          <a:lnRef idx="1">
+            <a:schemeClr val="accent1"/>
+          </a:lnRef>
+          <a:fillRef idx="0">
+            <a:schemeClr val="accent1"/>
+          </a:fillRef>
+          <a:effectRef idx="0">
+            <a:schemeClr val="accent1"/>
+          </a:effectRef>
+          <a:fontRef idx="minor">
+            <a:schemeClr val="tx1"/>
+          </a:fontRef>
+        </p:style>
+      </p:cxnSp>
+      <p:sp>
+        <p:nvSpPr>
+          <p:cNvPr id="8" name="직사각형 7">
+            <a:extLst>
+              <a:ext uri="{FF2B5EF4-FFF2-40B4-BE49-F238E27FC236}">
+                <a16:creationId xmlns:a16="http://schemas.microsoft.com/office/drawing/2014/main" id="{723B60C6-601A-48AB-0297-AF321C1D1060}"/>
+              </a:ext>
+            </a:extLst>
+          </p:cNvPr>
+          <p:cNvSpPr/>
+          <p:nvPr/>
+        </p:nvSpPr>
+        <p:spPr>
+          <a:xfrm>
+            <a:off x="1066798" y="1877470"/>
+            <a:ext cx="1806222" cy="372535"/>
+          </a:xfrm>
+          <a:prstGeom prst="rect">
+            <a:avLst/>
+          </a:prstGeom>
+          <a:solidFill>
+            <a:schemeClr val="accent4">
+              <a:lumMod val="40000"/>
+              <a:lumOff val="60000"/>
+            </a:schemeClr>
+          </a:solidFill>
+          <a:ln>
+            <a:solidFill>
+              <a:schemeClr val="tx1"/>
+            </a:solidFill>
+          </a:ln>
+        </p:spPr>
+        <p:style>
+          <a:lnRef idx="2">
+            <a:schemeClr val="accent1">
+              <a:shade val="50000"/>
+            </a:schemeClr>
+          </a:lnRef>
+          <a:fillRef idx="1">
+            <a:schemeClr val="accent1"/>
+          </a:fillRef>
+          <a:effectRef idx="0">
+            <a:schemeClr val="accent1"/>
+          </a:effectRef>
+          <a:fontRef idx="minor">
+            <a:schemeClr val="lt1"/>
+          </a:fontRef>
+        </p:style>
+        <p:txBody>
+          <a:bodyPr rtlCol="0" anchor="ctr"/>
+          <a:lstStyle/>
+          <a:p>
+            <a:pPr algn="ctr"/>
+            <a:r>
+              <a:rPr lang="en-US" altLang="ko-KR" sz="1200" b="1" dirty="0">
+                <a:solidFill>
+                  <a:schemeClr val="tx1"/>
+                </a:solidFill>
+              </a:rPr>
+              <a:t>Scaffold</a:t>
+            </a:r>
+          </a:p>
+        </p:txBody>
+      </p:sp>
+      <p:cxnSp>
+        <p:nvCxnSpPr>
+          <p:cNvPr id="10" name="연결선: 꺾임 9">
+            <a:extLst>
+              <a:ext uri="{FF2B5EF4-FFF2-40B4-BE49-F238E27FC236}">
+                <a16:creationId xmlns:a16="http://schemas.microsoft.com/office/drawing/2014/main" id="{D3D023C4-F71A-B362-B96C-8A1639AE5E2E}"/>
+              </a:ext>
+            </a:extLst>
+          </p:cNvPr>
+          <p:cNvCxnSpPr>
+            <a:cxnSpLocks/>
+            <a:endCxn id="8" idx="1"/>
+          </p:cNvCxnSpPr>
+          <p:nvPr/>
+        </p:nvCxnSpPr>
+        <p:spPr>
+          <a:xfrm rot="10800000" flipH="1" flipV="1">
+            <a:off x="801510" y="1496472"/>
+            <a:ext cx="265288" cy="567265"/>
+          </a:xfrm>
+          <a:prstGeom prst="bentConnector3">
+            <a:avLst>
+              <a:gd name="adj1" fmla="val -1065"/>
+            </a:avLst>
+          </a:prstGeom>
+          <a:ln>
+            <a:solidFill>
+              <a:schemeClr val="tx1"/>
+            </a:solidFill>
+          </a:ln>
+        </p:spPr>
+        <p:style>
+          <a:lnRef idx="1">
+            <a:schemeClr val="accent1"/>
+          </a:lnRef>
+          <a:fillRef idx="0">
+            <a:schemeClr val="accent1"/>
+          </a:fillRef>
+          <a:effectRef idx="0">
+            <a:schemeClr val="accent1"/>
+          </a:effectRef>
+          <a:fontRef idx="minor">
+            <a:schemeClr val="tx1"/>
+          </a:fontRef>
+        </p:style>
+      </p:cxnSp>
+      <p:sp>
+        <p:nvSpPr>
+          <p:cNvPr id="11" name="직사각형 10">
+            <a:extLst>
+              <a:ext uri="{FF2B5EF4-FFF2-40B4-BE49-F238E27FC236}">
+                <a16:creationId xmlns:a16="http://schemas.microsoft.com/office/drawing/2014/main" id="{A2B52175-A761-F76A-E955-2567017924BA}"/>
+              </a:ext>
+            </a:extLst>
+          </p:cNvPr>
+          <p:cNvSpPr/>
+          <p:nvPr/>
+        </p:nvSpPr>
+        <p:spPr>
+          <a:xfrm>
+            <a:off x="1332086" y="2444736"/>
+            <a:ext cx="1806222" cy="372535"/>
+          </a:xfrm>
+          <a:prstGeom prst="rect">
+            <a:avLst/>
+          </a:prstGeom>
+          <a:solidFill>
+            <a:schemeClr val="accent4">
+              <a:lumMod val="40000"/>
+              <a:lumOff val="60000"/>
+            </a:schemeClr>
+          </a:solidFill>
+          <a:ln>
+            <a:solidFill>
+              <a:schemeClr val="tx1"/>
+            </a:solidFill>
+          </a:ln>
+        </p:spPr>
+        <p:style>
+          <a:lnRef idx="2">
+            <a:schemeClr val="accent1">
+              <a:shade val="50000"/>
+            </a:schemeClr>
+          </a:lnRef>
+          <a:fillRef idx="1">
+            <a:schemeClr val="accent1"/>
+          </a:fillRef>
+          <a:effectRef idx="0">
+            <a:schemeClr val="accent1"/>
+          </a:effectRef>
+          <a:fontRef idx="minor">
+            <a:schemeClr val="lt1"/>
+          </a:fontRef>
+        </p:style>
+        <p:txBody>
+          <a:bodyPr rtlCol="0" anchor="ctr"/>
+          <a:lstStyle/>
+          <a:p>
+            <a:pPr algn="ctr"/>
+            <a:r>
+              <a:rPr lang="en-US" altLang="ko-KR" sz="900" dirty="0" err="1">
+                <a:solidFill>
+                  <a:schemeClr val="tx1"/>
+                </a:solidFill>
+              </a:rPr>
+              <a:t>bottomNavigationBar</a:t>
+            </a:r>
+            <a:r>
+              <a:rPr lang="en-US" altLang="ko-KR" sz="900" dirty="0">
+                <a:solidFill>
+                  <a:schemeClr val="tx1"/>
+                </a:solidFill>
+              </a:rPr>
+              <a:t>: </a:t>
+            </a:r>
+            <a:r>
+              <a:rPr lang="en-US" altLang="ko-KR" sz="900" b="1" dirty="0" err="1">
+                <a:solidFill>
+                  <a:schemeClr val="tx1"/>
+                </a:solidFill>
+              </a:rPr>
+              <a:t>BottomNavigationBar</a:t>
+            </a:r>
+            <a:endParaRPr lang="en-US" altLang="ko-KR" sz="900" b="1" dirty="0">
+              <a:solidFill>
+                <a:schemeClr val="tx1"/>
+              </a:solidFill>
+            </a:endParaRPr>
+          </a:p>
+        </p:txBody>
+      </p:sp>
+      <p:cxnSp>
+        <p:nvCxnSpPr>
+          <p:cNvPr id="12" name="연결선: 꺾임 11">
+            <a:extLst>
+              <a:ext uri="{FF2B5EF4-FFF2-40B4-BE49-F238E27FC236}">
+                <a16:creationId xmlns:a16="http://schemas.microsoft.com/office/drawing/2014/main" id="{BE1D2D99-7F7D-F000-169F-79BFDD594148}"/>
+              </a:ext>
+            </a:extLst>
+          </p:cNvPr>
+          <p:cNvCxnSpPr>
+            <a:cxnSpLocks/>
+            <a:endCxn id="11" idx="1"/>
+          </p:cNvCxnSpPr>
+          <p:nvPr/>
+        </p:nvCxnSpPr>
+        <p:spPr>
+          <a:xfrm rot="10800000" flipH="1" flipV="1">
+            <a:off x="1066798" y="2063738"/>
+            <a:ext cx="265288" cy="567265"/>
+          </a:xfrm>
+          <a:prstGeom prst="bentConnector3">
+            <a:avLst>
+              <a:gd name="adj1" fmla="val -1065"/>
+            </a:avLst>
+          </a:prstGeom>
+          <a:ln>
+            <a:solidFill>
+              <a:schemeClr val="tx1"/>
+            </a:solidFill>
+          </a:ln>
+        </p:spPr>
+        <p:style>
+          <a:lnRef idx="1">
+            <a:schemeClr val="accent1"/>
+          </a:lnRef>
+          <a:fillRef idx="0">
+            <a:schemeClr val="accent1"/>
+          </a:fillRef>
+          <a:effectRef idx="0">
+            <a:schemeClr val="accent1"/>
+          </a:effectRef>
+          <a:fontRef idx="minor">
+            <a:schemeClr val="tx1"/>
+          </a:fontRef>
+        </p:style>
+      </p:cxnSp>
+      <p:sp>
+        <p:nvSpPr>
+          <p:cNvPr id="13" name="직사각형 12">
+            <a:extLst>
+              <a:ext uri="{FF2B5EF4-FFF2-40B4-BE49-F238E27FC236}">
+                <a16:creationId xmlns:a16="http://schemas.microsoft.com/office/drawing/2014/main" id="{8D557E8A-E6F4-BFC7-ED22-9B2F225B07FE}"/>
+              </a:ext>
+            </a:extLst>
+          </p:cNvPr>
+          <p:cNvSpPr/>
+          <p:nvPr/>
+        </p:nvSpPr>
+        <p:spPr>
+          <a:xfrm>
+            <a:off x="1597374" y="3032968"/>
+            <a:ext cx="1806222" cy="372535"/>
+          </a:xfrm>
+          <a:prstGeom prst="rect">
+            <a:avLst/>
+          </a:prstGeom>
+          <a:solidFill>
+            <a:schemeClr val="accent4">
+              <a:lumMod val="40000"/>
+              <a:lumOff val="60000"/>
+            </a:schemeClr>
+          </a:solidFill>
+          <a:ln>
+            <a:solidFill>
+              <a:schemeClr val="tx1"/>
+            </a:solidFill>
+          </a:ln>
+        </p:spPr>
+        <p:style>
+          <a:lnRef idx="2">
+            <a:schemeClr val="accent1">
+              <a:shade val="50000"/>
+            </a:schemeClr>
+          </a:lnRef>
+          <a:fillRef idx="1">
+            <a:schemeClr val="accent1"/>
+          </a:fillRef>
+          <a:effectRef idx="0">
+            <a:schemeClr val="accent1"/>
+          </a:effectRef>
+          <a:fontRef idx="minor">
+            <a:schemeClr val="lt1"/>
+          </a:fontRef>
+        </p:style>
+        <p:txBody>
+          <a:bodyPr rtlCol="0" anchor="ctr"/>
+          <a:lstStyle/>
+          <a:p>
+            <a:pPr algn="ctr"/>
+            <a:r>
+              <a:rPr lang="en-US" altLang="ko-KR" sz="900" dirty="0">
+                <a:solidFill>
+                  <a:schemeClr val="tx1"/>
+                </a:solidFill>
+              </a:rPr>
+              <a:t>Items: </a:t>
+            </a:r>
+            <a:r>
+              <a:rPr lang="en-US" altLang="ko-KR" sz="900" b="1" dirty="0" err="1">
+                <a:solidFill>
+                  <a:schemeClr val="tx1"/>
+                </a:solidFill>
+              </a:rPr>
+              <a:t>BottomNavigationBarItem</a:t>
+            </a:r>
+            <a:endParaRPr lang="en-US" altLang="ko-KR" sz="900" b="1" dirty="0">
+              <a:solidFill>
+                <a:schemeClr val="tx1"/>
+              </a:solidFill>
+            </a:endParaRPr>
+          </a:p>
+        </p:txBody>
+      </p:sp>
+      <p:cxnSp>
+        <p:nvCxnSpPr>
+          <p:cNvPr id="14" name="연결선: 꺾임 13">
+            <a:extLst>
+              <a:ext uri="{FF2B5EF4-FFF2-40B4-BE49-F238E27FC236}">
+                <a16:creationId xmlns:a16="http://schemas.microsoft.com/office/drawing/2014/main" id="{CA213CDA-E08F-5EEB-7B2F-67F69354F3EB}"/>
+              </a:ext>
+            </a:extLst>
+          </p:cNvPr>
+          <p:cNvCxnSpPr>
+            <a:cxnSpLocks/>
+            <a:endCxn id="13" idx="1"/>
+          </p:cNvCxnSpPr>
+          <p:nvPr/>
+        </p:nvCxnSpPr>
+        <p:spPr>
+          <a:xfrm rot="10800000" flipH="1" flipV="1">
+            <a:off x="1332086" y="2651970"/>
+            <a:ext cx="265288" cy="567265"/>
+          </a:xfrm>
+          <a:prstGeom prst="bentConnector3">
+            <a:avLst>
+              <a:gd name="adj1" fmla="val -1065"/>
+            </a:avLst>
+          </a:prstGeom>
+          <a:ln>
+            <a:solidFill>
+              <a:schemeClr val="tx1"/>
+            </a:solidFill>
+          </a:ln>
+        </p:spPr>
+        <p:style>
+          <a:lnRef idx="1">
+            <a:schemeClr val="accent1"/>
+          </a:lnRef>
+          <a:fillRef idx="0">
+            <a:schemeClr val="accent1"/>
+          </a:fillRef>
+          <a:effectRef idx="0">
+            <a:schemeClr val="accent1"/>
+          </a:effectRef>
+          <a:fontRef idx="minor">
+            <a:schemeClr val="tx1"/>
+          </a:fontRef>
+        </p:style>
+      </p:cxnSp>
+      <p:sp>
+        <p:nvSpPr>
+          <p:cNvPr id="16" name="직사각형 15">
+            <a:extLst>
+              <a:ext uri="{FF2B5EF4-FFF2-40B4-BE49-F238E27FC236}">
+                <a16:creationId xmlns:a16="http://schemas.microsoft.com/office/drawing/2014/main" id="{B99231A9-ABE3-FCDA-91F5-34E9261CFDB7}"/>
+              </a:ext>
+            </a:extLst>
+          </p:cNvPr>
+          <p:cNvSpPr/>
+          <p:nvPr/>
+        </p:nvSpPr>
+        <p:spPr>
+          <a:xfrm>
+            <a:off x="1597375" y="3600233"/>
+            <a:ext cx="1806222" cy="372535"/>
+          </a:xfrm>
+          <a:prstGeom prst="rect">
+            <a:avLst/>
+          </a:prstGeom>
+          <a:solidFill>
+            <a:schemeClr val="accent4">
+              <a:lumMod val="40000"/>
+              <a:lumOff val="60000"/>
+            </a:schemeClr>
+          </a:solidFill>
+          <a:ln>
+            <a:solidFill>
+              <a:schemeClr val="tx1"/>
+            </a:solidFill>
+          </a:ln>
+        </p:spPr>
+        <p:style>
+          <a:lnRef idx="2">
+            <a:schemeClr val="accent1">
+              <a:shade val="50000"/>
+            </a:schemeClr>
+          </a:lnRef>
+          <a:fillRef idx="1">
+            <a:schemeClr val="accent1"/>
+          </a:fillRef>
+          <a:effectRef idx="0">
+            <a:schemeClr val="accent1"/>
+          </a:effectRef>
+          <a:fontRef idx="minor">
+            <a:schemeClr val="lt1"/>
+          </a:fontRef>
+        </p:style>
+        <p:txBody>
+          <a:bodyPr rtlCol="0" anchor="ctr"/>
+          <a:lstStyle/>
+          <a:p>
+            <a:pPr algn="ctr"/>
+            <a:r>
+              <a:rPr lang="en-US" altLang="ko-KR" sz="900" dirty="0">
+                <a:solidFill>
+                  <a:schemeClr val="tx1"/>
+                </a:solidFill>
+              </a:rPr>
+              <a:t>Items: </a:t>
+            </a:r>
+            <a:r>
+              <a:rPr lang="en-US" altLang="ko-KR" sz="900" b="1" dirty="0" err="1">
+                <a:solidFill>
+                  <a:schemeClr val="tx1"/>
+                </a:solidFill>
+              </a:rPr>
+              <a:t>BottomNavigationBarItem</a:t>
+            </a:r>
+            <a:endParaRPr lang="en-US" altLang="ko-KR" sz="900" b="1" dirty="0">
+              <a:solidFill>
+                <a:schemeClr val="tx1"/>
+              </a:solidFill>
+            </a:endParaRPr>
+          </a:p>
+        </p:txBody>
+      </p:sp>
+      <p:cxnSp>
+        <p:nvCxnSpPr>
+          <p:cNvPr id="17" name="연결선: 꺾임 16">
+            <a:extLst>
+              <a:ext uri="{FF2B5EF4-FFF2-40B4-BE49-F238E27FC236}">
+                <a16:creationId xmlns:a16="http://schemas.microsoft.com/office/drawing/2014/main" id="{3ECADC33-3CAB-868D-8B7F-923052067EF7}"/>
+              </a:ext>
+            </a:extLst>
+          </p:cNvPr>
+          <p:cNvCxnSpPr>
+            <a:cxnSpLocks/>
+            <a:endCxn id="16" idx="1"/>
+          </p:cNvCxnSpPr>
+          <p:nvPr/>
+        </p:nvCxnSpPr>
+        <p:spPr>
+          <a:xfrm rot="10800000" flipH="1" flipV="1">
+            <a:off x="1332087" y="3219235"/>
+            <a:ext cx="265288" cy="567265"/>
+          </a:xfrm>
+          <a:prstGeom prst="bentConnector3">
+            <a:avLst>
+              <a:gd name="adj1" fmla="val -1065"/>
+            </a:avLst>
+          </a:prstGeom>
+          <a:ln>
+            <a:solidFill>
+              <a:schemeClr val="tx1"/>
+            </a:solidFill>
+          </a:ln>
+        </p:spPr>
+        <p:style>
+          <a:lnRef idx="1">
+            <a:schemeClr val="accent1"/>
+          </a:lnRef>
+          <a:fillRef idx="0">
+            <a:schemeClr val="accent1"/>
+          </a:fillRef>
+          <a:effectRef idx="0">
+            <a:schemeClr val="accent1"/>
+          </a:effectRef>
+          <a:fontRef idx="minor">
+            <a:schemeClr val="tx1"/>
+          </a:fontRef>
+        </p:style>
+      </p:cxnSp>
+      <p:sp>
+        <p:nvSpPr>
+          <p:cNvPr id="18" name="직사각형 17">
+            <a:extLst>
+              <a:ext uri="{FF2B5EF4-FFF2-40B4-BE49-F238E27FC236}">
+                <a16:creationId xmlns:a16="http://schemas.microsoft.com/office/drawing/2014/main" id="{6024A5AC-A420-F4F1-903B-AC595527B09A}"/>
+              </a:ext>
+            </a:extLst>
+          </p:cNvPr>
+          <p:cNvSpPr/>
+          <p:nvPr/>
+        </p:nvSpPr>
+        <p:spPr>
+          <a:xfrm>
+            <a:off x="1597374" y="4167498"/>
+            <a:ext cx="1806222" cy="372535"/>
+          </a:xfrm>
+          <a:prstGeom prst="rect">
+            <a:avLst/>
+          </a:prstGeom>
+          <a:solidFill>
+            <a:schemeClr val="accent4">
+              <a:lumMod val="40000"/>
+              <a:lumOff val="60000"/>
+            </a:schemeClr>
+          </a:solidFill>
+          <a:ln>
+            <a:solidFill>
+              <a:schemeClr val="tx1"/>
+            </a:solidFill>
+          </a:ln>
+        </p:spPr>
+        <p:style>
+          <a:lnRef idx="2">
+            <a:schemeClr val="accent1">
+              <a:shade val="50000"/>
+            </a:schemeClr>
+          </a:lnRef>
+          <a:fillRef idx="1">
+            <a:schemeClr val="accent1"/>
+          </a:fillRef>
+          <a:effectRef idx="0">
+            <a:schemeClr val="accent1"/>
+          </a:effectRef>
+          <a:fontRef idx="minor">
+            <a:schemeClr val="lt1"/>
+          </a:fontRef>
+        </p:style>
+        <p:txBody>
+          <a:bodyPr rtlCol="0" anchor="ctr"/>
+          <a:lstStyle/>
+          <a:p>
+            <a:pPr algn="ctr"/>
+            <a:r>
+              <a:rPr lang="en-US" altLang="ko-KR" sz="900" dirty="0">
+                <a:solidFill>
+                  <a:schemeClr val="tx1"/>
+                </a:solidFill>
+              </a:rPr>
+              <a:t>Items: </a:t>
+            </a:r>
+            <a:r>
+              <a:rPr lang="en-US" altLang="ko-KR" sz="900" b="1" dirty="0" err="1">
+                <a:solidFill>
+                  <a:schemeClr val="tx1"/>
+                </a:solidFill>
+              </a:rPr>
+              <a:t>BottomNavigationBarItem</a:t>
+            </a:r>
+            <a:endParaRPr lang="en-US" altLang="ko-KR" sz="900" b="1" dirty="0">
+              <a:solidFill>
+                <a:schemeClr val="tx1"/>
+              </a:solidFill>
+            </a:endParaRPr>
+          </a:p>
+        </p:txBody>
+      </p:sp>
+      <p:cxnSp>
+        <p:nvCxnSpPr>
+          <p:cNvPr id="19" name="연결선: 꺾임 18">
+            <a:extLst>
+              <a:ext uri="{FF2B5EF4-FFF2-40B4-BE49-F238E27FC236}">
+                <a16:creationId xmlns:a16="http://schemas.microsoft.com/office/drawing/2014/main" id="{1238CE78-4211-D8AE-03D9-C6736AAA7E0C}"/>
+              </a:ext>
+            </a:extLst>
+          </p:cNvPr>
+          <p:cNvCxnSpPr>
+            <a:cxnSpLocks/>
+            <a:endCxn id="18" idx="1"/>
+          </p:cNvCxnSpPr>
+          <p:nvPr/>
+        </p:nvCxnSpPr>
+        <p:spPr>
+          <a:xfrm rot="10800000" flipH="1" flipV="1">
+            <a:off x="1332086" y="3786500"/>
+            <a:ext cx="265288" cy="567265"/>
+          </a:xfrm>
+          <a:prstGeom prst="bentConnector3">
+            <a:avLst>
+              <a:gd name="adj1" fmla="val -1065"/>
+            </a:avLst>
+          </a:prstGeom>
+          <a:ln>
+            <a:solidFill>
+              <a:schemeClr val="tx1"/>
+            </a:solidFill>
+          </a:ln>
+        </p:spPr>
+        <p:style>
+          <a:lnRef idx="1">
+            <a:schemeClr val="accent1"/>
+          </a:lnRef>
+          <a:fillRef idx="0">
+            <a:schemeClr val="accent1"/>
+          </a:fillRef>
+          <a:effectRef idx="0">
+            <a:schemeClr val="accent1"/>
+          </a:effectRef>
+          <a:fontRef idx="minor">
+            <a:schemeClr val="tx1"/>
+          </a:fontRef>
+        </p:style>
+      </p:cxnSp>
+      <p:sp>
+        <p:nvSpPr>
+          <p:cNvPr id="20" name="직사각형 19">
+            <a:extLst>
+              <a:ext uri="{FF2B5EF4-FFF2-40B4-BE49-F238E27FC236}">
+                <a16:creationId xmlns:a16="http://schemas.microsoft.com/office/drawing/2014/main" id="{3C026833-716D-5B4C-FA9D-46082CB1F24E}"/>
+              </a:ext>
+            </a:extLst>
+          </p:cNvPr>
+          <p:cNvSpPr/>
+          <p:nvPr/>
+        </p:nvSpPr>
+        <p:spPr>
+          <a:xfrm>
+            <a:off x="1597374" y="4734763"/>
+            <a:ext cx="1806222" cy="372535"/>
+          </a:xfrm>
+          <a:prstGeom prst="rect">
+            <a:avLst/>
+          </a:prstGeom>
+          <a:solidFill>
+            <a:schemeClr val="accent4">
+              <a:lumMod val="40000"/>
+              <a:lumOff val="60000"/>
+            </a:schemeClr>
+          </a:solidFill>
+          <a:ln>
+            <a:solidFill>
+              <a:schemeClr val="tx1"/>
+            </a:solidFill>
+          </a:ln>
+        </p:spPr>
+        <p:style>
+          <a:lnRef idx="2">
+            <a:schemeClr val="accent1">
+              <a:shade val="50000"/>
+            </a:schemeClr>
+          </a:lnRef>
+          <a:fillRef idx="1">
+            <a:schemeClr val="accent1"/>
+          </a:fillRef>
+          <a:effectRef idx="0">
+            <a:schemeClr val="accent1"/>
+          </a:effectRef>
+          <a:fontRef idx="minor">
+            <a:schemeClr val="lt1"/>
+          </a:fontRef>
+        </p:style>
+        <p:txBody>
+          <a:bodyPr rtlCol="0" anchor="ctr"/>
+          <a:lstStyle/>
+          <a:p>
+            <a:pPr algn="ctr"/>
+            <a:r>
+              <a:rPr lang="en-US" altLang="ko-KR" sz="900" dirty="0">
+                <a:solidFill>
+                  <a:schemeClr val="tx1"/>
+                </a:solidFill>
+              </a:rPr>
+              <a:t>Items: </a:t>
+            </a:r>
+            <a:r>
+              <a:rPr lang="en-US" altLang="ko-KR" sz="900" b="1" dirty="0" err="1">
+                <a:solidFill>
+                  <a:schemeClr val="tx1"/>
+                </a:solidFill>
+              </a:rPr>
+              <a:t>BottomNavigationBarItem</a:t>
+            </a:r>
+            <a:endParaRPr lang="en-US" altLang="ko-KR" sz="900" b="1" dirty="0">
+              <a:solidFill>
+                <a:schemeClr val="tx1"/>
+              </a:solidFill>
+            </a:endParaRPr>
+          </a:p>
+        </p:txBody>
+      </p:sp>
+      <p:cxnSp>
+        <p:nvCxnSpPr>
+          <p:cNvPr id="21" name="연결선: 꺾임 20">
+            <a:extLst>
+              <a:ext uri="{FF2B5EF4-FFF2-40B4-BE49-F238E27FC236}">
+                <a16:creationId xmlns:a16="http://schemas.microsoft.com/office/drawing/2014/main" id="{761B7A7D-21B6-6421-C898-6C65747D6476}"/>
+              </a:ext>
+            </a:extLst>
+          </p:cNvPr>
+          <p:cNvCxnSpPr>
+            <a:cxnSpLocks/>
+            <a:endCxn id="20" idx="1"/>
+          </p:cNvCxnSpPr>
+          <p:nvPr/>
+        </p:nvCxnSpPr>
+        <p:spPr>
+          <a:xfrm rot="10800000" flipH="1" flipV="1">
+            <a:off x="1332086" y="4353765"/>
+            <a:ext cx="265288" cy="567265"/>
+          </a:xfrm>
+          <a:prstGeom prst="bentConnector3">
+            <a:avLst>
+              <a:gd name="adj1" fmla="val -1065"/>
+            </a:avLst>
+          </a:prstGeom>
+          <a:ln>
+            <a:solidFill>
+              <a:schemeClr val="tx1"/>
+            </a:solidFill>
+          </a:ln>
+        </p:spPr>
+        <p:style>
+          <a:lnRef idx="1">
+            <a:schemeClr val="accent1"/>
+          </a:lnRef>
+          <a:fillRef idx="0">
+            <a:schemeClr val="accent1"/>
+          </a:fillRef>
+          <a:effectRef idx="0">
+            <a:schemeClr val="accent1"/>
+          </a:effectRef>
+          <a:fontRef idx="minor">
+            <a:schemeClr val="tx1"/>
+          </a:fontRef>
+        </p:style>
+      </p:cxnSp>
+      <p:sp>
+        <p:nvSpPr>
+          <p:cNvPr id="24" name="직사각형 23">
+            <a:extLst>
+              <a:ext uri="{FF2B5EF4-FFF2-40B4-BE49-F238E27FC236}">
+                <a16:creationId xmlns:a16="http://schemas.microsoft.com/office/drawing/2014/main" id="{18A86362-3F79-4457-B8CD-52C00434BC7B}"/>
+              </a:ext>
+            </a:extLst>
+          </p:cNvPr>
+          <p:cNvSpPr/>
+          <p:nvPr/>
+        </p:nvSpPr>
+        <p:spPr>
+          <a:xfrm>
+            <a:off x="1597374" y="5302028"/>
+            <a:ext cx="1806222" cy="372535"/>
+          </a:xfrm>
+          <a:prstGeom prst="rect">
+            <a:avLst/>
+          </a:prstGeom>
+          <a:solidFill>
+            <a:schemeClr val="accent4">
+              <a:lumMod val="40000"/>
+              <a:lumOff val="60000"/>
+            </a:schemeClr>
+          </a:solidFill>
+          <a:ln>
+            <a:solidFill>
+              <a:schemeClr val="tx1"/>
+            </a:solidFill>
+          </a:ln>
+        </p:spPr>
+        <p:style>
+          <a:lnRef idx="2">
+            <a:schemeClr val="accent1">
+              <a:shade val="50000"/>
+            </a:schemeClr>
+          </a:lnRef>
+          <a:fillRef idx="1">
+            <a:schemeClr val="accent1"/>
+          </a:fillRef>
+          <a:effectRef idx="0">
+            <a:schemeClr val="accent1"/>
+          </a:effectRef>
+          <a:fontRef idx="minor">
+            <a:schemeClr val="lt1"/>
+          </a:fontRef>
+        </p:style>
+        <p:txBody>
+          <a:bodyPr rtlCol="0" anchor="ctr"/>
+          <a:lstStyle/>
+          <a:p>
+            <a:pPr algn="ctr"/>
+            <a:r>
+              <a:rPr lang="en-US" altLang="ko-KR" sz="900" dirty="0">
+                <a:solidFill>
+                  <a:schemeClr val="tx1"/>
+                </a:solidFill>
+              </a:rPr>
+              <a:t>Items: </a:t>
+            </a:r>
+            <a:r>
+              <a:rPr lang="en-US" altLang="ko-KR" sz="900" b="1" dirty="0" err="1">
+                <a:solidFill>
+                  <a:schemeClr val="tx1"/>
+                </a:solidFill>
+              </a:rPr>
+              <a:t>BottomNavigationBarItem</a:t>
+            </a:r>
+            <a:endParaRPr lang="en-US" altLang="ko-KR" sz="900" b="1" dirty="0">
+              <a:solidFill>
+                <a:schemeClr val="tx1"/>
+              </a:solidFill>
+            </a:endParaRPr>
+          </a:p>
+        </p:txBody>
+      </p:sp>
+      <p:cxnSp>
+        <p:nvCxnSpPr>
+          <p:cNvPr id="25" name="연결선: 꺾임 24">
+            <a:extLst>
+              <a:ext uri="{FF2B5EF4-FFF2-40B4-BE49-F238E27FC236}">
+                <a16:creationId xmlns:a16="http://schemas.microsoft.com/office/drawing/2014/main" id="{CDFE059B-5AFC-B0F1-68B6-91A690F7F662}"/>
+              </a:ext>
+            </a:extLst>
+          </p:cNvPr>
+          <p:cNvCxnSpPr>
+            <a:cxnSpLocks/>
+            <a:endCxn id="24" idx="1"/>
+          </p:cNvCxnSpPr>
+          <p:nvPr/>
+        </p:nvCxnSpPr>
+        <p:spPr>
+          <a:xfrm rot="10800000" flipH="1" flipV="1">
+            <a:off x="1332086" y="4921030"/>
             <a:ext cx="265288" cy="567265"/>
           </a:xfrm>
           <a:prstGeom prst="bentConnector3">
